--- a/class/subjects/Basics_of_it/lecture/Unit 3 Lecture 7.pptx
+++ b/class/subjects/Basics_of_it/lecture/Unit 3 Lecture 7.pptx
@@ -237,7 +237,7 @@
           <a:p>
             <a:fld id="{50412A38-1B2B-4892-BCA3-3126BFC04E0B}" type="datetimeFigureOut">
               <a:rPr lang="en-US" smtClean="0"/>
-              <a:t>2/5/2023</a:t>
+              <a:t>2/7/2023</a:t>
             </a:fld>
             <a:endParaRPr lang="en-US"/>
           </a:p>
@@ -680,7 +680,7 @@
           <a:p>
             <a:fld id="{1ABE11DD-0B29-449B-BF53-DE1FAE18F455}" type="datetime1">
               <a:rPr lang="en-US" smtClean="0"/>
-              <a:t>2/5/2023</a:t>
+              <a:t>2/7/2023</a:t>
             </a:fld>
             <a:endParaRPr lang="en-US"/>
           </a:p>
@@ -844,7 +844,7 @@
           <a:p>
             <a:fld id="{651B472E-D966-49EA-B8BC-17C7C5A06340}" type="datetime1">
               <a:rPr lang="en-US" smtClean="0"/>
-              <a:t>2/5/2023</a:t>
+              <a:t>2/7/2023</a:t>
             </a:fld>
             <a:endParaRPr lang="en-US"/>
           </a:p>
@@ -1018,7 +1018,7 @@
           <a:p>
             <a:fld id="{998D4746-4AF4-4AC8-A2F8-0BD826BDC123}" type="datetime1">
               <a:rPr lang="en-US" smtClean="0"/>
-              <a:t>2/5/2023</a:t>
+              <a:t>2/7/2023</a:t>
             </a:fld>
             <a:endParaRPr lang="en-US"/>
           </a:p>
@@ -1182,7 +1182,7 @@
           <a:p>
             <a:fld id="{453EF70B-8676-4F84-8F9F-8AE3E51D6BE3}" type="datetime1">
               <a:rPr lang="en-US" smtClean="0"/>
-              <a:t>2/5/2023</a:t>
+              <a:t>2/7/2023</a:t>
             </a:fld>
             <a:endParaRPr lang="en-US"/>
           </a:p>
@@ -1423,7 +1423,7 @@
           <a:p>
             <a:fld id="{8C1E2462-E7B7-4B3E-A0B7-380D23AEFF5B}" type="datetime1">
               <a:rPr lang="en-US" smtClean="0"/>
-              <a:t>2/5/2023</a:t>
+              <a:t>2/7/2023</a:t>
             </a:fld>
             <a:endParaRPr lang="en-US"/>
           </a:p>
@@ -1704,7 +1704,7 @@
           <a:p>
             <a:fld id="{B538D5AB-F208-4B0E-8AD4-72BF8BCC7625}" type="datetime1">
               <a:rPr lang="en-US" smtClean="0"/>
-              <a:t>2/5/2023</a:t>
+              <a:t>2/7/2023</a:t>
             </a:fld>
             <a:endParaRPr lang="en-US"/>
           </a:p>
@@ -2119,7 +2119,7 @@
           <a:p>
             <a:fld id="{4B34C389-6E47-4EB4-9C67-B4F3EAF44738}" type="datetime1">
               <a:rPr lang="en-US" smtClean="0"/>
-              <a:t>2/5/2023</a:t>
+              <a:t>2/7/2023</a:t>
             </a:fld>
             <a:endParaRPr lang="en-US"/>
           </a:p>
@@ -2232,7 +2232,7 @@
           <a:p>
             <a:fld id="{A2FBC8FA-C1F4-4088-860F-0CD7D2A8CA4F}" type="datetime1">
               <a:rPr lang="en-US" smtClean="0"/>
-              <a:t>2/5/2023</a:t>
+              <a:t>2/7/2023</a:t>
             </a:fld>
             <a:endParaRPr lang="en-US"/>
           </a:p>
@@ -2323,7 +2323,7 @@
           <a:p>
             <a:fld id="{113C6555-206C-4579-8A66-044236AE69B9}" type="datetime1">
               <a:rPr lang="en-US" smtClean="0"/>
-              <a:t>2/5/2023</a:t>
+              <a:t>2/7/2023</a:t>
             </a:fld>
             <a:endParaRPr lang="en-US"/>
           </a:p>
@@ -2594,7 +2594,7 @@
           <a:p>
             <a:fld id="{BE3CEB5A-2893-4089-9046-02B00E55C8AD}" type="datetime1">
               <a:rPr lang="en-US" smtClean="0"/>
-              <a:t>2/5/2023</a:t>
+              <a:t>2/7/2023</a:t>
             </a:fld>
             <a:endParaRPr lang="en-US"/>
           </a:p>
@@ -2842,7 +2842,7 @@
           <a:p>
             <a:fld id="{5EE0901F-FE3F-49E4-879C-3DD1A7388B84}" type="datetime1">
               <a:rPr lang="en-US" smtClean="0"/>
-              <a:t>2/5/2023</a:t>
+              <a:t>2/7/2023</a:t>
             </a:fld>
             <a:endParaRPr lang="en-US"/>
           </a:p>
@@ -3049,7 +3049,7 @@
           <a:p>
             <a:fld id="{EAE87197-7ADC-4E62-AD01-0A13D932F000}" type="datetime1">
               <a:rPr lang="en-US" smtClean="0"/>
-              <a:t>2/5/2023</a:t>
+              <a:t>2/7/2023</a:t>
             </a:fld>
             <a:endParaRPr lang="en-US"/>
           </a:p>
